--- a/Slides/Baseball 2/Baseball_2_Lecture.pptx
+++ b/Slides/Baseball 2/Baseball_2_Lecture.pptx
@@ -208,7 +208,7 @@
           <a:p>
             <a:fld id="{C04E5E84-956F-4423-97B3-5936A6D8EEEE}" type="datetimeFigureOut">
               <a:rPr lang="en-US" smtClean="0"/>
-              <a:t>9/5/2019</a:t>
+              <a:t>9/6/2019</a:t>
             </a:fld>
             <a:endParaRPr lang="en-US"/>
           </a:p>
@@ -706,7 +706,7 @@
           <a:p>
             <a:fld id="{3881C039-66A3-4640-815B-3B5A8B7D868D}" type="datetimeFigureOut">
               <a:rPr lang="en-US" smtClean="0"/>
-              <a:t>9/5/2019</a:t>
+              <a:t>9/6/2019</a:t>
             </a:fld>
             <a:endParaRPr lang="en-US"/>
           </a:p>
@@ -904,7 +904,7 @@
           <a:p>
             <a:fld id="{3881C039-66A3-4640-815B-3B5A8B7D868D}" type="datetimeFigureOut">
               <a:rPr lang="en-US" smtClean="0"/>
-              <a:t>9/5/2019</a:t>
+              <a:t>9/6/2019</a:t>
             </a:fld>
             <a:endParaRPr lang="en-US"/>
           </a:p>
@@ -1112,7 +1112,7 @@
           <a:p>
             <a:fld id="{3881C039-66A3-4640-815B-3B5A8B7D868D}" type="datetimeFigureOut">
               <a:rPr lang="en-US" smtClean="0"/>
-              <a:t>9/5/2019</a:t>
+              <a:t>9/6/2019</a:t>
             </a:fld>
             <a:endParaRPr lang="en-US"/>
           </a:p>
@@ -1310,7 +1310,7 @@
           <a:p>
             <a:fld id="{3881C039-66A3-4640-815B-3B5A8B7D868D}" type="datetimeFigureOut">
               <a:rPr lang="en-US" smtClean="0"/>
-              <a:t>9/5/2019</a:t>
+              <a:t>9/6/2019</a:t>
             </a:fld>
             <a:endParaRPr lang="en-US"/>
           </a:p>
@@ -1585,7 +1585,7 @@
           <a:p>
             <a:fld id="{3881C039-66A3-4640-815B-3B5A8B7D868D}" type="datetimeFigureOut">
               <a:rPr lang="en-US" smtClean="0"/>
-              <a:t>9/5/2019</a:t>
+              <a:t>9/6/2019</a:t>
             </a:fld>
             <a:endParaRPr lang="en-US"/>
           </a:p>
@@ -1850,7 +1850,7 @@
           <a:p>
             <a:fld id="{3881C039-66A3-4640-815B-3B5A8B7D868D}" type="datetimeFigureOut">
               <a:rPr lang="en-US" smtClean="0"/>
-              <a:t>9/5/2019</a:t>
+              <a:t>9/6/2019</a:t>
             </a:fld>
             <a:endParaRPr lang="en-US"/>
           </a:p>
@@ -2262,7 +2262,7 @@
           <a:p>
             <a:fld id="{3881C039-66A3-4640-815B-3B5A8B7D868D}" type="datetimeFigureOut">
               <a:rPr lang="en-US" smtClean="0"/>
-              <a:t>9/5/2019</a:t>
+              <a:t>9/6/2019</a:t>
             </a:fld>
             <a:endParaRPr lang="en-US"/>
           </a:p>
@@ -2403,7 +2403,7 @@
           <a:p>
             <a:fld id="{3881C039-66A3-4640-815B-3B5A8B7D868D}" type="datetimeFigureOut">
               <a:rPr lang="en-US" smtClean="0"/>
-              <a:t>9/5/2019</a:t>
+              <a:t>9/6/2019</a:t>
             </a:fld>
             <a:endParaRPr lang="en-US"/>
           </a:p>
@@ -2516,7 +2516,7 @@
           <a:p>
             <a:fld id="{3881C039-66A3-4640-815B-3B5A8B7D868D}" type="datetimeFigureOut">
               <a:rPr lang="en-US" smtClean="0"/>
-              <a:t>9/5/2019</a:t>
+              <a:t>9/6/2019</a:t>
             </a:fld>
             <a:endParaRPr lang="en-US"/>
           </a:p>
@@ -2827,7 +2827,7 @@
           <a:p>
             <a:fld id="{3881C039-66A3-4640-815B-3B5A8B7D868D}" type="datetimeFigureOut">
               <a:rPr lang="en-US" smtClean="0"/>
-              <a:t>9/5/2019</a:t>
+              <a:t>9/6/2019</a:t>
             </a:fld>
             <a:endParaRPr lang="en-US"/>
           </a:p>
@@ -3115,7 +3115,7 @@
           <a:p>
             <a:fld id="{3881C039-66A3-4640-815B-3B5A8B7D868D}" type="datetimeFigureOut">
               <a:rPr lang="en-US" smtClean="0"/>
-              <a:t>9/5/2019</a:t>
+              <a:t>9/6/2019</a:t>
             </a:fld>
             <a:endParaRPr lang="en-US"/>
           </a:p>
@@ -3359,7 +3359,7 @@
           <a:p>
             <a:fld id="{3881C039-66A3-4640-815B-3B5A8B7D868D}" type="datetimeFigureOut">
               <a:rPr lang="en-US" smtClean="0"/>
-              <a:t>9/5/2019</a:t>
+              <a:t>9/6/2019</a:t>
             </a:fld>
             <a:endParaRPr lang="en-US"/>
           </a:p>
@@ -5039,7 +5039,7 @@
         </p:blipFill>
         <p:spPr>
           <a:xfrm>
-            <a:off x="3749611" y="1091352"/>
+            <a:off x="3749611" y="1097978"/>
             <a:ext cx="7541240" cy="5651823"/>
           </a:xfrm>
           <a:prstGeom prst="rect">
@@ -11491,8 +11491,8 @@
           </a:p>
         </p:txBody>
       </p:sp>
-      <mc:AlternateContent xmlns:mc="http://schemas.openxmlformats.org/markup-compatibility/2006">
-        <mc:Choice xmlns:a14="http://schemas.microsoft.com/office/drawing/2010/main" Requires="a14">
+      <mc:AlternateContent xmlns:mc="http://schemas.openxmlformats.org/markup-compatibility/2006" xmlns:a14="http://schemas.microsoft.com/office/drawing/2010/main">
+        <mc:Choice Requires="a14">
           <p:sp>
             <p:nvSpPr>
               <p:cNvPr id="11" name="TextBox 10">
@@ -11659,7 +11659,7 @@
             </p:txBody>
           </p:sp>
         </mc:Choice>
-        <mc:Fallback>
+        <mc:Fallback xmlns="">
           <p:sp>
             <p:nvSpPr>
               <p:cNvPr id="11" name="TextBox 10">
@@ -11704,8 +11704,8 @@
           </p:sp>
         </mc:Fallback>
       </mc:AlternateContent>
-      <mc:AlternateContent xmlns:mc="http://schemas.openxmlformats.org/markup-compatibility/2006">
-        <mc:Choice xmlns:a14="http://schemas.microsoft.com/office/drawing/2010/main" Requires="a14">
+      <mc:AlternateContent xmlns:mc="http://schemas.openxmlformats.org/markup-compatibility/2006" xmlns:a14="http://schemas.microsoft.com/office/drawing/2010/main">
+        <mc:Choice Requires="a14">
           <p:sp>
             <p:nvSpPr>
               <p:cNvPr id="12" name="TextBox 11">
@@ -11910,7 +11910,7 @@
             </p:txBody>
           </p:sp>
         </mc:Choice>
-        <mc:Fallback>
+        <mc:Fallback xmlns="">
           <p:sp>
             <p:nvSpPr>
               <p:cNvPr id="12" name="TextBox 11">
@@ -12708,8 +12708,8 @@
           </a:p>
         </p:txBody>
       </p:sp>
-      <mc:AlternateContent xmlns:mc="http://schemas.openxmlformats.org/markup-compatibility/2006">
-        <mc:Choice xmlns:a14="http://schemas.microsoft.com/office/drawing/2010/main" Requires="a14">
+      <mc:AlternateContent xmlns:mc="http://schemas.openxmlformats.org/markup-compatibility/2006" xmlns:a14="http://schemas.microsoft.com/office/drawing/2010/main">
+        <mc:Choice Requires="a14">
           <p:sp>
             <p:nvSpPr>
               <p:cNvPr id="11" name="TextBox 10">
@@ -13027,7 +13027,7 @@
             </p:txBody>
           </p:sp>
         </mc:Choice>
-        <mc:Fallback>
+        <mc:Fallback xmlns="">
           <p:sp>
             <p:nvSpPr>
               <p:cNvPr id="11" name="TextBox 10">
@@ -14217,8 +14217,8 @@
           </a:p>
         </p:txBody>
       </p:sp>
-      <mc:AlternateContent xmlns:mc="http://schemas.openxmlformats.org/markup-compatibility/2006">
-        <mc:Choice xmlns:a14="http://schemas.microsoft.com/office/drawing/2010/main" Requires="a14">
+      <mc:AlternateContent xmlns:mc="http://schemas.openxmlformats.org/markup-compatibility/2006" xmlns:a14="http://schemas.microsoft.com/office/drawing/2010/main">
+        <mc:Choice Requires="a14">
           <p:sp>
             <p:nvSpPr>
               <p:cNvPr id="11" name="TextBox 10">
@@ -14247,7 +14247,6 @@
               </a:bodyPr>
               <a:lstStyle/>
               <a:p>
-                <a:pPr/>
                 <a14:m>
                   <m:oMath xmlns:m="http://schemas.openxmlformats.org/officeDocument/2006/math">
                     <m:r>
@@ -14348,7 +14347,7 @@
                     <m:d>
                       <m:dPr>
                         <m:ctrlPr>
-                          <a:rPr lang="en-US" sz="2000" b="1" i="0" smtClean="0">
+                          <a:rPr lang="en-US" sz="2000" b="1" i="1" smtClean="0">
                             <a:solidFill>
                               <a:schemeClr val="bg1"/>
                             </a:solidFill>
@@ -14427,7 +14426,7 @@
             </p:txBody>
           </p:sp>
         </mc:Choice>
-        <mc:Fallback>
+        <mc:Fallback xmlns="">
           <p:sp>
             <p:nvSpPr>
               <p:cNvPr id="11" name="TextBox 10">
@@ -14472,8 +14471,8 @@
           </p:sp>
         </mc:Fallback>
       </mc:AlternateContent>
-      <mc:AlternateContent xmlns:mc="http://schemas.openxmlformats.org/markup-compatibility/2006">
-        <mc:Choice xmlns:a14="http://schemas.microsoft.com/office/drawing/2010/main" Requires="a14">
+      <mc:AlternateContent xmlns:mc="http://schemas.openxmlformats.org/markup-compatibility/2006" xmlns:a14="http://schemas.microsoft.com/office/drawing/2010/main">
+        <mc:Choice Requires="a14">
           <p:sp>
             <p:nvSpPr>
               <p:cNvPr id="12" name="TextBox 11">
@@ -14502,7 +14501,6 @@
               </a:bodyPr>
               <a:lstStyle/>
               <a:p>
-                <a:pPr/>
                 <a14:m>
                   <m:oMath xmlns:m="http://schemas.openxmlformats.org/officeDocument/2006/math">
                     <m:r>
@@ -14526,7 +14524,7 @@
                     <m:d>
                       <m:dPr>
                         <m:ctrlPr>
-                          <a:rPr lang="en-US" sz="2000" b="1" i="0" smtClean="0">
+                          <a:rPr lang="en-US" sz="2000" b="1" i="1" smtClean="0">
                             <a:solidFill>
                               <a:schemeClr val="bg1"/>
                             </a:solidFill>
@@ -14677,7 +14675,7 @@
             </p:txBody>
           </p:sp>
         </mc:Choice>
-        <mc:Fallback>
+        <mc:Fallback xmlns="">
           <p:sp>
             <p:nvSpPr>
               <p:cNvPr id="12" name="TextBox 11">
@@ -14722,8 +14720,8 @@
           </p:sp>
         </mc:Fallback>
       </mc:AlternateContent>
-      <mc:AlternateContent xmlns:mc="http://schemas.openxmlformats.org/markup-compatibility/2006">
-        <mc:Choice xmlns:a14="http://schemas.microsoft.com/office/drawing/2010/main" Requires="a14">
+      <mc:AlternateContent xmlns:mc="http://schemas.openxmlformats.org/markup-compatibility/2006" xmlns:a14="http://schemas.microsoft.com/office/drawing/2010/main">
+        <mc:Choice Requires="a14">
           <p:sp>
             <p:nvSpPr>
               <p:cNvPr id="15" name="TextBox 14">
@@ -14870,7 +14868,7 @@
             </p:txBody>
           </p:sp>
         </mc:Choice>
-        <mc:Fallback>
+        <mc:Fallback xmlns="">
           <p:sp>
             <p:nvSpPr>
               <p:cNvPr id="15" name="TextBox 14">
@@ -14915,8 +14913,8 @@
           </p:sp>
         </mc:Fallback>
       </mc:AlternateContent>
-      <mc:AlternateContent xmlns:mc="http://schemas.openxmlformats.org/markup-compatibility/2006">
-        <mc:Choice xmlns:a14="http://schemas.microsoft.com/office/drawing/2010/main" Requires="a14">
+      <mc:AlternateContent xmlns:mc="http://schemas.openxmlformats.org/markup-compatibility/2006" xmlns:a14="http://schemas.microsoft.com/office/drawing/2010/main">
+        <mc:Choice Requires="a14">
           <p:sp>
             <p:nvSpPr>
               <p:cNvPr id="18" name="TextBox 17">
@@ -15016,7 +15014,7 @@
             </p:txBody>
           </p:sp>
         </mc:Choice>
-        <mc:Fallback>
+        <mc:Fallback xmlns="">
           <p:sp>
             <p:nvSpPr>
               <p:cNvPr id="18" name="TextBox 17">
@@ -15760,8 +15758,8 @@
           </a:p>
         </p:txBody>
       </p:sp>
-      <mc:AlternateContent xmlns:mc="http://schemas.openxmlformats.org/markup-compatibility/2006">
-        <mc:Choice xmlns:a14="http://schemas.microsoft.com/office/drawing/2010/main" Requires="a14">
+      <mc:AlternateContent xmlns:mc="http://schemas.openxmlformats.org/markup-compatibility/2006" xmlns:a14="http://schemas.microsoft.com/office/drawing/2010/main">
+        <mc:Choice Requires="a14">
           <p:sp>
             <p:nvSpPr>
               <p:cNvPr id="11" name="TextBox 10">
@@ -15929,7 +15927,7 @@
             </p:txBody>
           </p:sp>
         </mc:Choice>
-        <mc:Fallback>
+        <mc:Fallback xmlns="">
           <p:sp>
             <p:nvSpPr>
               <p:cNvPr id="11" name="TextBox 10">
@@ -16231,8 +16229,8 @@
           </a:graphicData>
         </a:graphic>
       </p:graphicFrame>
-      <mc:AlternateContent xmlns:mc="http://schemas.openxmlformats.org/markup-compatibility/2006">
-        <mc:Choice xmlns:a14="http://schemas.microsoft.com/office/drawing/2010/main" Requires="a14">
+      <mc:AlternateContent xmlns:mc="http://schemas.openxmlformats.org/markup-compatibility/2006" xmlns:a14="http://schemas.microsoft.com/office/drawing/2010/main">
+        <mc:Choice Requires="a14">
           <p:sp>
             <p:nvSpPr>
               <p:cNvPr id="20" name="TextBox 19">
@@ -16546,7 +16544,7 @@
             </p:txBody>
           </p:sp>
         </mc:Choice>
-        <mc:Fallback>
+        <mc:Fallback xmlns="">
           <p:sp>
             <p:nvSpPr>
               <p:cNvPr id="20" name="TextBox 19">

--- a/Slides/Baseball 2/Baseball_2_Lecture.pptx
+++ b/Slides/Baseball 2/Baseball_2_Lecture.pptx
@@ -208,7 +208,7 @@
           <a:p>
             <a:fld id="{C04E5E84-956F-4423-97B3-5936A6D8EEEE}" type="datetimeFigureOut">
               <a:rPr lang="en-US" smtClean="0"/>
-              <a:t>9/6/2019</a:t>
+              <a:t>9/10/2019</a:t>
             </a:fld>
             <a:endParaRPr lang="en-US"/>
           </a:p>
@@ -706,7 +706,7 @@
           <a:p>
             <a:fld id="{3881C039-66A3-4640-815B-3B5A8B7D868D}" type="datetimeFigureOut">
               <a:rPr lang="en-US" smtClean="0"/>
-              <a:t>9/6/2019</a:t>
+              <a:t>9/10/2019</a:t>
             </a:fld>
             <a:endParaRPr lang="en-US"/>
           </a:p>
@@ -904,7 +904,7 @@
           <a:p>
             <a:fld id="{3881C039-66A3-4640-815B-3B5A8B7D868D}" type="datetimeFigureOut">
               <a:rPr lang="en-US" smtClean="0"/>
-              <a:t>9/6/2019</a:t>
+              <a:t>9/10/2019</a:t>
             </a:fld>
             <a:endParaRPr lang="en-US"/>
           </a:p>
@@ -1112,7 +1112,7 @@
           <a:p>
             <a:fld id="{3881C039-66A3-4640-815B-3B5A8B7D868D}" type="datetimeFigureOut">
               <a:rPr lang="en-US" smtClean="0"/>
-              <a:t>9/6/2019</a:t>
+              <a:t>9/10/2019</a:t>
             </a:fld>
             <a:endParaRPr lang="en-US"/>
           </a:p>
@@ -1310,7 +1310,7 @@
           <a:p>
             <a:fld id="{3881C039-66A3-4640-815B-3B5A8B7D868D}" type="datetimeFigureOut">
               <a:rPr lang="en-US" smtClean="0"/>
-              <a:t>9/6/2019</a:t>
+              <a:t>9/10/2019</a:t>
             </a:fld>
             <a:endParaRPr lang="en-US"/>
           </a:p>
@@ -1585,7 +1585,7 @@
           <a:p>
             <a:fld id="{3881C039-66A3-4640-815B-3B5A8B7D868D}" type="datetimeFigureOut">
               <a:rPr lang="en-US" smtClean="0"/>
-              <a:t>9/6/2019</a:t>
+              <a:t>9/10/2019</a:t>
             </a:fld>
             <a:endParaRPr lang="en-US"/>
           </a:p>
@@ -1850,7 +1850,7 @@
           <a:p>
             <a:fld id="{3881C039-66A3-4640-815B-3B5A8B7D868D}" type="datetimeFigureOut">
               <a:rPr lang="en-US" smtClean="0"/>
-              <a:t>9/6/2019</a:t>
+              <a:t>9/10/2019</a:t>
             </a:fld>
             <a:endParaRPr lang="en-US"/>
           </a:p>
@@ -2262,7 +2262,7 @@
           <a:p>
             <a:fld id="{3881C039-66A3-4640-815B-3B5A8B7D868D}" type="datetimeFigureOut">
               <a:rPr lang="en-US" smtClean="0"/>
-              <a:t>9/6/2019</a:t>
+              <a:t>9/10/2019</a:t>
             </a:fld>
             <a:endParaRPr lang="en-US"/>
           </a:p>
@@ -2403,7 +2403,7 @@
           <a:p>
             <a:fld id="{3881C039-66A3-4640-815B-3B5A8B7D868D}" type="datetimeFigureOut">
               <a:rPr lang="en-US" smtClean="0"/>
-              <a:t>9/6/2019</a:t>
+              <a:t>9/10/2019</a:t>
             </a:fld>
             <a:endParaRPr lang="en-US"/>
           </a:p>
@@ -2516,7 +2516,7 @@
           <a:p>
             <a:fld id="{3881C039-66A3-4640-815B-3B5A8B7D868D}" type="datetimeFigureOut">
               <a:rPr lang="en-US" smtClean="0"/>
-              <a:t>9/6/2019</a:t>
+              <a:t>9/10/2019</a:t>
             </a:fld>
             <a:endParaRPr lang="en-US"/>
           </a:p>
@@ -2827,7 +2827,7 @@
           <a:p>
             <a:fld id="{3881C039-66A3-4640-815B-3B5A8B7D868D}" type="datetimeFigureOut">
               <a:rPr lang="en-US" smtClean="0"/>
-              <a:t>9/6/2019</a:t>
+              <a:t>9/10/2019</a:t>
             </a:fld>
             <a:endParaRPr lang="en-US"/>
           </a:p>
@@ -3115,7 +3115,7 @@
           <a:p>
             <a:fld id="{3881C039-66A3-4640-815B-3B5A8B7D868D}" type="datetimeFigureOut">
               <a:rPr lang="en-US" smtClean="0"/>
-              <a:t>9/6/2019</a:t>
+              <a:t>9/10/2019</a:t>
             </a:fld>
             <a:endParaRPr lang="en-US"/>
           </a:p>
@@ -3359,7 +3359,7 @@
           <a:p>
             <a:fld id="{3881C039-66A3-4640-815B-3B5A8B7D868D}" type="datetimeFigureOut">
               <a:rPr lang="en-US" smtClean="0"/>
-              <a:t>9/6/2019</a:t>
+              <a:t>9/10/2019</a:t>
             </a:fld>
             <a:endParaRPr lang="en-US"/>
           </a:p>
@@ -12683,7 +12683,7 @@
                   <a:schemeClr val="bg1"/>
                 </a:solidFill>
               </a:rPr>
-              <a:t>y = Actual</a:t>
+              <a:t>y = Actual Runs</a:t>
             </a:r>
           </a:p>
           <a:p>
@@ -12693,8 +12693,21 @@
                   <a:schemeClr val="bg1"/>
                 </a:solidFill>
               </a:rPr>
-              <a:t>y = Runs Scored</a:t>
+              <a:t>y </a:t>
             </a:r>
+            <a:r>
+              <a:rPr lang="en-US" sz="2400">
+                <a:solidFill>
+                  <a:schemeClr val="bg1"/>
+                </a:solidFill>
+              </a:rPr>
+              <a:t>= Predicted Runs</a:t>
+            </a:r>
+            <a:endParaRPr lang="en-US" sz="2400" dirty="0">
+              <a:solidFill>
+                <a:schemeClr val="bg1"/>
+              </a:solidFill>
+            </a:endParaRPr>
           </a:p>
           <a:p>
             <a:r>
